--- a/21號張德昱.pptx
+++ b/21號張德昱.pptx
@@ -321,7 +321,7 @@
           <a:p>
             <a:fld id="{9AB3A824-1A51-4B26-AD58-A6D8E14F6C04}" type="datetimeFigureOut">
               <a:rPr lang="en-US" smtClean="0"/>
-              <a:t>11/7/2021</a:t>
+              <a:t>12/8/2021</a:t>
             </a:fld>
             <a:endParaRPr lang="en-US" dirty="0"/>
           </a:p>
@@ -658,7 +658,7 @@
           <a:p>
             <a:fld id="{3CBC1C18-307B-4F68-A007-B5B542270E8D}" type="datetimeFigureOut">
               <a:rPr lang="en-US" smtClean="0"/>
-              <a:t>11/7/2021</a:t>
+              <a:t>12/8/2021</a:t>
             </a:fld>
             <a:endParaRPr lang="en-US" dirty="0"/>
           </a:p>
@@ -1064,7 +1064,7 @@
           <a:p>
             <a:fld id="{3CBC1C18-307B-4F68-A007-B5B542270E8D}" type="datetimeFigureOut">
               <a:rPr lang="en-US" smtClean="0"/>
-              <a:t>11/7/2021</a:t>
+              <a:t>12/8/2021</a:t>
             </a:fld>
             <a:endParaRPr lang="en-US" dirty="0"/>
           </a:p>
@@ -1405,7 +1405,7 @@
           <a:p>
             <a:fld id="{3CBC1C18-307B-4F68-A007-B5B542270E8D}" type="datetimeFigureOut">
               <a:rPr lang="en-US" smtClean="0"/>
-              <a:t>11/7/2021</a:t>
+              <a:t>12/8/2021</a:t>
             </a:fld>
             <a:endParaRPr lang="en-US" dirty="0"/>
           </a:p>
@@ -1730,7 +1730,7 @@
           <a:p>
             <a:fld id="{3CBC1C18-307B-4F68-A007-B5B542270E8D}" type="datetimeFigureOut">
               <a:rPr lang="en-US" smtClean="0"/>
-              <a:t>11/7/2021</a:t>
+              <a:t>12/8/2021</a:t>
             </a:fld>
             <a:endParaRPr lang="en-US" dirty="0"/>
           </a:p>
@@ -2131,7 +2131,7 @@
           <a:p>
             <a:fld id="{3CBC1C18-307B-4F68-A007-B5B542270E8D}" type="datetimeFigureOut">
               <a:rPr lang="en-US" smtClean="0"/>
-              <a:t>11/7/2021</a:t>
+              <a:t>12/8/2021</a:t>
             </a:fld>
             <a:endParaRPr lang="en-US" dirty="0"/>
           </a:p>
@@ -2393,7 +2393,7 @@
           <a:p>
             <a:fld id="{D857E33E-8B18-4087-B112-809917729534}" type="datetimeFigureOut">
               <a:rPr lang="en-US" smtClean="0"/>
-              <a:t>11/7/2021</a:t>
+              <a:t>12/8/2021</a:t>
             </a:fld>
             <a:endParaRPr lang="en-US" dirty="0"/>
           </a:p>
@@ -2658,7 +2658,7 @@
           <a:p>
             <a:fld id="{D3FFE419-2371-464F-8239-3959401C3561}" type="datetimeFigureOut">
               <a:rPr lang="en-US" smtClean="0"/>
-              <a:t>11/7/2021</a:t>
+              <a:t>12/8/2021</a:t>
             </a:fld>
             <a:endParaRPr lang="en-US" dirty="0"/>
           </a:p>
@@ -2923,7 +2923,7 @@
           <a:p>
             <a:fld id="{97D162C4-EDD9-4389-A98B-B87ECEA2A816}" type="datetimeFigureOut">
               <a:rPr lang="en-US" smtClean="0"/>
-              <a:t>11/7/2021</a:t>
+              <a:t>12/8/2021</a:t>
             </a:fld>
             <a:endParaRPr lang="en-US" dirty="0"/>
           </a:p>
@@ -3255,7 +3255,7 @@
           <a:p>
             <a:fld id="{3E5059C3-6A89-4494-99FF-5A4D6FFD50EB}" type="datetimeFigureOut">
               <a:rPr lang="en-US" smtClean="0"/>
-              <a:t>11/7/2021</a:t>
+              <a:t>12/8/2021</a:t>
             </a:fld>
             <a:endParaRPr lang="en-US" dirty="0"/>
           </a:p>
@@ -3581,7 +3581,7 @@
           <a:p>
             <a:fld id="{CA954B2F-12DE-47F5-8894-472B206D2E1E}" type="datetimeFigureOut">
               <a:rPr lang="en-US" smtClean="0"/>
-              <a:t>11/7/2021</a:t>
+              <a:t>12/8/2021</a:t>
             </a:fld>
             <a:endParaRPr lang="en-US" dirty="0"/>
           </a:p>
@@ -4041,7 +4041,7 @@
           <a:p>
             <a:fld id="{3F30E46F-7819-4ACF-B48B-48222C2ACC88}" type="datetimeFigureOut">
               <a:rPr lang="en-US" smtClean="0"/>
-              <a:t>11/7/2021</a:t>
+              <a:t>12/8/2021</a:t>
             </a:fld>
             <a:endParaRPr lang="en-US" dirty="0"/>
           </a:p>
@@ -4254,7 +4254,7 @@
           <a:p>
             <a:fld id="{1FAF3416-4057-4DAA-829D-4CA07428D088}" type="datetimeFigureOut">
               <a:rPr lang="en-US" smtClean="0"/>
-              <a:t>11/7/2021</a:t>
+              <a:t>12/8/2021</a:t>
             </a:fld>
             <a:endParaRPr lang="en-US" dirty="0"/>
           </a:p>
@@ -4434,7 +4434,7 @@
           <a:p>
             <a:fld id="{921D9284-D300-4297-87F7-E791DCC15DB1}" type="datetimeFigureOut">
               <a:rPr lang="en-US" smtClean="0"/>
-              <a:t>11/7/2021</a:t>
+              <a:t>12/8/2021</a:t>
             </a:fld>
             <a:endParaRPr lang="en-US" dirty="0"/>
           </a:p>
@@ -4770,7 +4770,7 @@
           <a:p>
             <a:fld id="{37D525BB-DA17-4BA0-B3C8-3AC3ABC827E6}" type="datetimeFigureOut">
               <a:rPr lang="en-US" smtClean="0"/>
-              <a:t>11/7/2021</a:t>
+              <a:t>12/8/2021</a:t>
             </a:fld>
             <a:endParaRPr lang="en-US" dirty="0"/>
           </a:p>
@@ -5118,7 +5118,7 @@
           <a:p>
             <a:fld id="{B16C4C9A-3960-41CF-A4E9-2A8FB932454B}" type="datetimeFigureOut">
               <a:rPr lang="en-US" smtClean="0"/>
-              <a:t>11/7/2021</a:t>
+              <a:t>12/8/2021</a:t>
             </a:fld>
             <a:endParaRPr lang="en-US" dirty="0"/>
           </a:p>
@@ -7238,7 +7238,7 @@
           <a:p>
             <a:fld id="{3CBC1C18-307B-4F68-A007-B5B542270E8D}" type="datetimeFigureOut">
               <a:rPr lang="en-US" smtClean="0"/>
-              <a:t>11/7/2021</a:t>
+              <a:t>12/8/2021</a:t>
             </a:fld>
             <a:endParaRPr lang="en-US" dirty="0"/>
           </a:p>
@@ -9668,10 +9668,10 @@
       </p:pic>
       <p:pic>
         <p:nvPicPr>
-          <p:cNvPr id="5" name="圖片 4">
+          <p:cNvPr id="6" name="圖片 5">
             <a:extLst>
               <a:ext uri="{FF2B5EF4-FFF2-40B4-BE49-F238E27FC236}">
-                <a16:creationId xmlns:a16="http://schemas.microsoft.com/office/drawing/2014/main" id="{983ECB52-7001-402A-9306-7E87FED7615C}"/>
+                <a16:creationId xmlns:a16="http://schemas.microsoft.com/office/drawing/2014/main" id="{A5786815-79D4-48E8-8B53-A174B34BDC1F}"/>
               </a:ext>
             </a:extLst>
           </p:cNvPr>
@@ -9688,8 +9688,8 @@
         </p:blipFill>
         <p:spPr>
           <a:xfrm>
-            <a:off x="4917556" y="152132"/>
-            <a:ext cx="2074197" cy="2074197"/>
+            <a:off x="5036731" y="97503"/>
+            <a:ext cx="2098900" cy="2098900"/>
           </a:xfrm>
           <a:prstGeom prst="rect">
             <a:avLst/>
@@ -9835,10 +9835,10 @@
       </p:pic>
       <p:pic>
         <p:nvPicPr>
-          <p:cNvPr id="5" name="圖片 4">
+          <p:cNvPr id="6" name="圖片 5">
             <a:extLst>
               <a:ext uri="{FF2B5EF4-FFF2-40B4-BE49-F238E27FC236}">
-                <a16:creationId xmlns:a16="http://schemas.microsoft.com/office/drawing/2014/main" id="{BE657378-7599-4EA5-B689-9F9090EF436C}"/>
+                <a16:creationId xmlns:a16="http://schemas.microsoft.com/office/drawing/2014/main" id="{4B6A7984-F898-44D4-BAEB-FECDF11131D9}"/>
               </a:ext>
             </a:extLst>
           </p:cNvPr>
@@ -9855,8 +9855,8 @@
         </p:blipFill>
         <p:spPr>
           <a:xfrm>
-            <a:off x="5199371" y="281120"/>
-            <a:ext cx="1996943" cy="1996943"/>
+            <a:off x="5178709" y="361515"/>
+            <a:ext cx="1876988" cy="1876988"/>
           </a:xfrm>
           <a:prstGeom prst="rect">
             <a:avLst/>
